--- a/docs/diagrams/SetRecurringBudgetCommandSequenceDiagram.pptx
+++ b/docs/diagrams/SetRecurringBudgetCommandSequenceDiagram.pptx
@@ -6,6 +6,7 @@
   </p:sldMasterIdLst>
   <p:sldIdLst>
     <p:sldId id="256" r:id="rId2"/>
+    <p:sldId id="257" r:id="rId3"/>
   </p:sldIdLst>
   <p:sldSz cx="12192000" cy="6858000"/>
   <p:notesSz cx="6858000" cy="9144000"/>
@@ -104,6 +105,11 @@
       </a:defRPr>
     </a:lvl9pPr>
   </p:defaultTextStyle>
+  <p:extLst>
+    <p:ext uri="{EFAFB233-063F-42B5-8137-9DF3F51BA10A}">
+      <p15:sldGuideLst xmlns:p15="http://schemas.microsoft.com/office/powerpoint/2012/main"/>
+    </p:ext>
+  </p:extLst>
 </p:presentation>
 </file>
 
@@ -256,7 +262,7 @@
           <a:p>
             <a:fld id="{25951DBF-4689-4318-9FB8-FAD0A99561E4}" type="datetimeFigureOut">
               <a:rPr lang="en-SG" smtClean="0"/>
-              <a:t>24/10/2018</a:t>
+              <a:t>26/10/2018</a:t>
             </a:fld>
             <a:endParaRPr lang="en-SG"/>
           </a:p>
@@ -456,7 +462,7 @@
           <a:p>
             <a:fld id="{25951DBF-4689-4318-9FB8-FAD0A99561E4}" type="datetimeFigureOut">
               <a:rPr lang="en-SG" smtClean="0"/>
-              <a:t>24/10/2018</a:t>
+              <a:t>26/10/2018</a:t>
             </a:fld>
             <a:endParaRPr lang="en-SG"/>
           </a:p>
@@ -666,7 +672,7 @@
           <a:p>
             <a:fld id="{25951DBF-4689-4318-9FB8-FAD0A99561E4}" type="datetimeFigureOut">
               <a:rPr lang="en-SG" smtClean="0"/>
-              <a:t>24/10/2018</a:t>
+              <a:t>26/10/2018</a:t>
             </a:fld>
             <a:endParaRPr lang="en-SG"/>
           </a:p>
@@ -866,7 +872,7 @@
           <a:p>
             <a:fld id="{25951DBF-4689-4318-9FB8-FAD0A99561E4}" type="datetimeFigureOut">
               <a:rPr lang="en-SG" smtClean="0"/>
-              <a:t>24/10/2018</a:t>
+              <a:t>26/10/2018</a:t>
             </a:fld>
             <a:endParaRPr lang="en-SG"/>
           </a:p>
@@ -1142,7 +1148,7 @@
           <a:p>
             <a:fld id="{25951DBF-4689-4318-9FB8-FAD0A99561E4}" type="datetimeFigureOut">
               <a:rPr lang="en-SG" smtClean="0"/>
-              <a:t>24/10/2018</a:t>
+              <a:t>26/10/2018</a:t>
             </a:fld>
             <a:endParaRPr lang="en-SG"/>
           </a:p>
@@ -1410,7 +1416,7 @@
           <a:p>
             <a:fld id="{25951DBF-4689-4318-9FB8-FAD0A99561E4}" type="datetimeFigureOut">
               <a:rPr lang="en-SG" smtClean="0"/>
-              <a:t>24/10/2018</a:t>
+              <a:t>26/10/2018</a:t>
             </a:fld>
             <a:endParaRPr lang="en-SG"/>
           </a:p>
@@ -1825,7 +1831,7 @@
           <a:p>
             <a:fld id="{25951DBF-4689-4318-9FB8-FAD0A99561E4}" type="datetimeFigureOut">
               <a:rPr lang="en-SG" smtClean="0"/>
-              <a:t>24/10/2018</a:t>
+              <a:t>26/10/2018</a:t>
             </a:fld>
             <a:endParaRPr lang="en-SG"/>
           </a:p>
@@ -1967,7 +1973,7 @@
           <a:p>
             <a:fld id="{25951DBF-4689-4318-9FB8-FAD0A99561E4}" type="datetimeFigureOut">
               <a:rPr lang="en-SG" smtClean="0"/>
-              <a:t>24/10/2018</a:t>
+              <a:t>26/10/2018</a:t>
             </a:fld>
             <a:endParaRPr lang="en-SG"/>
           </a:p>
@@ -2080,7 +2086,7 @@
           <a:p>
             <a:fld id="{25951DBF-4689-4318-9FB8-FAD0A99561E4}" type="datetimeFigureOut">
               <a:rPr lang="en-SG" smtClean="0"/>
-              <a:t>24/10/2018</a:t>
+              <a:t>26/10/2018</a:t>
             </a:fld>
             <a:endParaRPr lang="en-SG"/>
           </a:p>
@@ -2393,7 +2399,7 @@
           <a:p>
             <a:fld id="{25951DBF-4689-4318-9FB8-FAD0A99561E4}" type="datetimeFigureOut">
               <a:rPr lang="en-SG" smtClean="0"/>
-              <a:t>24/10/2018</a:t>
+              <a:t>26/10/2018</a:t>
             </a:fld>
             <a:endParaRPr lang="en-SG"/>
           </a:p>
@@ -2682,7 +2688,7 @@
           <a:p>
             <a:fld id="{25951DBF-4689-4318-9FB8-FAD0A99561E4}" type="datetimeFigureOut">
               <a:rPr lang="en-SG" smtClean="0"/>
-              <a:t>24/10/2018</a:t>
+              <a:t>26/10/2018</a:t>
             </a:fld>
             <a:endParaRPr lang="en-SG"/>
           </a:p>
@@ -2925,7 +2931,7 @@
           <a:p>
             <a:fld id="{25951DBF-4689-4318-9FB8-FAD0A99561E4}" type="datetimeFigureOut">
               <a:rPr lang="en-SG" smtClean="0"/>
-              <a:t>24/10/2018</a:t>
+              <a:t>26/10/2018</a:t>
             </a:fld>
             <a:endParaRPr lang="en-SG"/>
           </a:p>
@@ -3464,8 +3470,8 @@
         </p:nvSpPr>
         <p:spPr>
           <a:xfrm>
-            <a:off x="8428093" y="477367"/>
-            <a:ext cx="3056675" cy="8136209"/>
+            <a:off x="9665345" y="477367"/>
+            <a:ext cx="1819423" cy="8136209"/>
           </a:xfrm>
           <a:prstGeom prst="roundRect">
             <a:avLst>
@@ -3531,7 +3537,7 @@
         </p:nvSpPr>
         <p:spPr>
           <a:xfrm>
-            <a:off x="316027" y="477367"/>
+            <a:off x="315385" y="631165"/>
             <a:ext cx="7982864" cy="8208209"/>
           </a:xfrm>
           <a:prstGeom prst="roundRect">
@@ -3887,7 +3893,7 @@
         <p:spPr>
           <a:xfrm>
             <a:off x="2862501" y="1664080"/>
-            <a:ext cx="200096" cy="3404969"/>
+            <a:ext cx="200096" cy="3569691"/>
           </a:xfrm>
           <a:prstGeom prst="rect">
             <a:avLst/>
@@ -4100,7 +4106,7 @@
         </p:nvCxnSpPr>
         <p:spPr>
           <a:xfrm>
-            <a:off x="4810024" y="2450496"/>
+            <a:off x="4825264" y="2450496"/>
             <a:ext cx="2037970" cy="0"/>
           </a:xfrm>
           <a:prstGeom prst="straightConnector1">
@@ -4190,7 +4196,7 @@
         </p:nvCxnSpPr>
         <p:spPr>
           <a:xfrm>
-            <a:off x="4825039" y="2655264"/>
+            <a:off x="4806661" y="2571444"/>
             <a:ext cx="2056573" cy="0"/>
           </a:xfrm>
           <a:prstGeom prst="straightConnector1">
@@ -4234,7 +4240,7 @@
         </p:nvCxnSpPr>
         <p:spPr>
           <a:xfrm flipV="1">
-            <a:off x="1271731" y="5060292"/>
+            <a:off x="1265987" y="5136257"/>
             <a:ext cx="1596514" cy="5378"/>
           </a:xfrm>
           <a:prstGeom prst="straightConnector1">
@@ -5108,7 +5114,7 @@
         <p:spPr>
           <a:xfrm>
             <a:off x="4693564" y="2193730"/>
-            <a:ext cx="164356" cy="2835463"/>
+            <a:ext cx="135332" cy="2986651"/>
           </a:xfrm>
           <a:prstGeom prst="rect">
             <a:avLst/>
@@ -5387,7 +5393,7 @@
         </p:nvSpPr>
         <p:spPr>
           <a:xfrm>
-            <a:off x="6315374" y="4238191"/>
+            <a:off x="6314732" y="4391989"/>
             <a:ext cx="1524310" cy="461538"/>
           </a:xfrm>
           <a:prstGeom prst="rect">
@@ -5475,7 +5481,7 @@
         </p:nvSpPr>
         <p:spPr>
           <a:xfrm>
-            <a:off x="6737136" y="4687871"/>
+            <a:off x="6737136" y="4853527"/>
             <a:ext cx="194603" cy="82915"/>
           </a:xfrm>
           <a:prstGeom prst="rect">
@@ -5530,7 +5536,7 @@
         </p:nvCxnSpPr>
         <p:spPr>
           <a:xfrm flipV="1">
-            <a:off x="4849216" y="4578036"/>
+            <a:off x="4848574" y="4731834"/>
             <a:ext cx="1466158" cy="230"/>
           </a:xfrm>
           <a:prstGeom prst="straightConnector1">
@@ -5574,7 +5580,7 @@
         </p:nvCxnSpPr>
         <p:spPr>
           <a:xfrm>
-            <a:off x="4864477" y="4762500"/>
+            <a:off x="4808591" y="4922000"/>
             <a:ext cx="1977695" cy="0"/>
           </a:xfrm>
           <a:prstGeom prst="straightConnector1">
@@ -5620,7 +5626,7 @@
         </p:nvCxnSpPr>
         <p:spPr>
           <a:xfrm>
-            <a:off x="3040221" y="4960100"/>
+            <a:off x="3040221" y="5059772"/>
             <a:ext cx="1638726" cy="0"/>
           </a:xfrm>
           <a:prstGeom prst="straightConnector1">
@@ -5664,8 +5670,8 @@
         </p:nvSpPr>
         <p:spPr>
           <a:xfrm>
-            <a:off x="4987230" y="4023965"/>
-            <a:ext cx="1291689" cy="692497"/>
+            <a:off x="4964818" y="4316782"/>
+            <a:ext cx="1291689" cy="369332"/>
           </a:xfrm>
           <a:prstGeom prst="rect">
             <a:avLst/>
@@ -5691,33 +5697,26 @@
           <a:p>
             <a:pPr algn="l"/>
             <a:r>
-              <a:rPr lang="en-US" sz="900" dirty="0" err="1"/>
+              <a:rPr lang="en-US" sz="800" dirty="0" err="1"/>
               <a:t>SetRecurringBudgetCommand</a:t>
             </a:r>
             <a:r>
-              <a:rPr lang="en-US" sz="900" dirty="0"/>
+              <a:rPr lang="en-US" sz="800" dirty="0"/>
               <a:t>(</a:t>
             </a:r>
             <a:r>
-              <a:rPr lang="en-US" sz="900" dirty="0" err="1"/>
-              <a:t>getTotalSecondsToNextRecurrence</a:t>
-            </a:r>
-            <a:r>
-              <a:rPr lang="en-US" sz="900" dirty="0"/>
-              <a:t>(</a:t>
-            </a:r>
-            <a:r>
-              <a:rPr lang="en-US" sz="900" dirty="0" err="1"/>
-              <a:t>keywordsMap</a:t>
-            </a:r>
-            <a:r>
-              <a:rPr lang="en-US" sz="900" dirty="0"/>
-              <a:t>))</a:t>
-            </a:r>
+              <a:rPr lang="en-US" sz="800" dirty="0" err="1"/>
+              <a:t>hours+minutes+seconds</a:t>
+            </a:r>
+            <a:r>
+              <a:rPr lang="en-US" sz="800"/>
+              <a:t>)</a:t>
+            </a:r>
+            <a:endParaRPr lang="en-US" sz="800" dirty="0"/>
           </a:p>
           <a:p>
             <a:pPr algn="l"/>
-            <a:endParaRPr lang="en-US" sz="900" dirty="0"/>
+            <a:endParaRPr lang="en-US" sz="800" dirty="0"/>
           </a:p>
         </p:txBody>
       </p:sp>
@@ -6034,7 +6033,7 @@
         </p:nvSpPr>
         <p:spPr>
           <a:xfrm>
-            <a:off x="5157260" y="2654614"/>
+            <a:off x="5164689" y="2570325"/>
             <a:ext cx="1201243" cy="169277"/>
           </a:xfrm>
           <a:prstGeom prst="rect">
@@ -6067,57 +6066,122 @@
           </a:p>
         </p:txBody>
       </p:sp>
+      <p:sp>
+        <p:nvSpPr>
+          <p:cNvPr id="58" name="Rectangle 62">
+            <a:extLst>
+              <a:ext uri="{FF2B5EF4-FFF2-40B4-BE49-F238E27FC236}">
+                <a16:creationId xmlns:a16="http://schemas.microsoft.com/office/drawing/2014/main" id="{1FFC91A7-CD6B-44FA-85F1-F20C7DAA5A4B}"/>
+              </a:ext>
+            </a:extLst>
+          </p:cNvPr>
+          <p:cNvSpPr/>
+          <p:nvPr/>
+        </p:nvSpPr>
+        <p:spPr>
+          <a:xfrm>
+            <a:off x="7107991" y="7303812"/>
+            <a:ext cx="1120080" cy="461538"/>
+          </a:xfrm>
+          <a:prstGeom prst="rect">
+            <a:avLst/>
+          </a:prstGeom>
+          <a:solidFill>
+            <a:srgbClr val="0070C0"/>
+          </a:solidFill>
+          <a:ln w="19050">
+            <a:solidFill>
+              <a:srgbClr val="0070C0"/>
+            </a:solidFill>
+          </a:ln>
+          <a:effectLst/>
+        </p:spPr>
+        <p:style>
+          <a:lnRef idx="1">
+            <a:schemeClr val="accent2"/>
+          </a:lnRef>
+          <a:fillRef idx="2">
+            <a:schemeClr val="accent2"/>
+          </a:fillRef>
+          <a:effectRef idx="1">
+            <a:schemeClr val="accent2"/>
+          </a:effectRef>
+          <a:fontRef idx="minor">
+            <a:schemeClr val="dk1"/>
+          </a:fontRef>
+        </p:style>
+        <p:txBody>
+          <a:bodyPr rtlCol="0" anchor="ctr"/>
+          <a:lstStyle/>
+          <a:p>
+            <a:pPr algn="ctr"/>
+            <a:r>
+              <a:rPr lang="en-US" sz="1600" dirty="0">
+                <a:solidFill>
+                  <a:schemeClr val="bg1"/>
+                </a:solidFill>
+              </a:rPr>
+              <a:t>:Command Result</a:t>
+            </a:r>
+            <a:endParaRPr lang="en-SG" sz="1600" dirty="0">
+              <a:solidFill>
+                <a:schemeClr val="bg1"/>
+              </a:solidFill>
+            </a:endParaRPr>
+          </a:p>
+        </p:txBody>
+      </p:sp>
       <p:cxnSp>
         <p:nvCxnSpPr>
-          <p:cNvPr id="56" name="Curved Connector 12">
-            <a:extLst>
-              <a:ext uri="{FF2B5EF4-FFF2-40B4-BE49-F238E27FC236}">
-                <a16:creationId xmlns:a16="http://schemas.microsoft.com/office/drawing/2014/main" id="{03BC9CAD-4E5B-4287-BA6A-3B7B93B17CDB}"/>
-              </a:ext>
-            </a:extLst>
-          </p:cNvPr>
-          <p:cNvCxnSpPr/>
+          <p:cNvPr id="63" name="Straight Connector 45">
+            <a:extLst>
+              <a:ext uri="{FF2B5EF4-FFF2-40B4-BE49-F238E27FC236}">
+                <a16:creationId xmlns:a16="http://schemas.microsoft.com/office/drawing/2014/main" id="{7BF3946E-8DE6-4A9C-8C51-0F255ACAF54E}"/>
+              </a:ext>
+            </a:extLst>
+          </p:cNvPr>
+          <p:cNvCxnSpPr>
+            <a:cxnSpLocks/>
+          </p:cNvCxnSpPr>
           <p:nvPr/>
         </p:nvCxnSpPr>
         <p:spPr>
-          <a:xfrm rot="16200000" flipH="1">
-            <a:off x="4830475" y="3214573"/>
-            <a:ext cx="156923" cy="76200"/>
-          </a:xfrm>
-          <a:prstGeom prst="curvedConnector4">
-            <a:avLst>
-              <a:gd name="adj1" fmla="val -145677"/>
-              <a:gd name="adj2" fmla="val 400000"/>
-            </a:avLst>
-          </a:prstGeom>
-          <a:ln>
+          <a:xfrm>
+            <a:off x="6828736" y="4993270"/>
+            <a:ext cx="5702" cy="465897"/>
+          </a:xfrm>
+          <a:prstGeom prst="line">
+            <a:avLst/>
+          </a:prstGeom>
+          <a:ln w="19050">
             <a:solidFill>
-              <a:schemeClr val="accent1"/>
+              <a:srgbClr val="0070C0"/>
             </a:solidFill>
-            <a:tailEnd type="triangle"/>
+            <a:prstDash val="sysDash"/>
           </a:ln>
+          <a:effectLst/>
         </p:spPr>
         <p:style>
           <a:lnRef idx="1">
             <a:schemeClr val="accent1"/>
           </a:lnRef>
-          <a:fillRef idx="0">
+          <a:fillRef idx="2">
             <a:schemeClr val="accent1"/>
           </a:fillRef>
-          <a:effectRef idx="0">
+          <a:effectRef idx="1">
             <a:schemeClr val="accent1"/>
           </a:effectRef>
           <a:fontRef idx="minor">
-            <a:schemeClr val="tx1"/>
+            <a:schemeClr val="dk1"/>
           </a:fontRef>
         </p:style>
       </p:cxnSp>
       <p:sp>
         <p:nvSpPr>
-          <p:cNvPr id="57" name="TextBox 81">
-            <a:extLst>
-              <a:ext uri="{FF2B5EF4-FFF2-40B4-BE49-F238E27FC236}">
-                <a16:creationId xmlns:a16="http://schemas.microsoft.com/office/drawing/2014/main" id="{918C875E-4E08-40EC-B09B-DEC930751FEB}"/>
+          <p:cNvPr id="64" name="TextBox 67">
+            <a:extLst>
+              <a:ext uri="{FF2B5EF4-FFF2-40B4-BE49-F238E27FC236}">
+                <a16:creationId xmlns:a16="http://schemas.microsoft.com/office/drawing/2014/main" id="{10CF3131-C66B-46AF-8182-6FA5669B5C3C}"/>
               </a:ext>
             </a:extLst>
           </p:cNvPr>
@@ -6126,8 +6190,8 @@
         </p:nvSpPr>
         <p:spPr>
           <a:xfrm>
-            <a:off x="5177276" y="2921045"/>
-            <a:ext cx="1883351" cy="338554"/>
+            <a:off x="7010814" y="5984814"/>
+            <a:ext cx="2917968" cy="169277"/>
           </a:xfrm>
           <a:prstGeom prst="rect">
             <a:avLst/>
@@ -6153,145 +6217,91 @@
           <a:p>
             <a:pPr algn="l"/>
             <a:r>
-              <a:rPr lang="en-SG" sz="1100" dirty="0" err="1"/>
-              <a:t>areAnyPrefixesPresent</a:t>
-            </a:r>
-            <a:endParaRPr lang="en-SG" sz="1100" dirty="0"/>
-          </a:p>
-          <a:p>
-            <a:pPr algn="l"/>
-            <a:r>
-              <a:rPr lang="en-SG" sz="1100" dirty="0"/>
+              <a:rPr lang="en-US" sz="1100" dirty="0" err="1">
+                <a:solidFill>
+                  <a:schemeClr val="accent4"/>
+                </a:solidFill>
+              </a:rPr>
+              <a:t>setRecurrenceFrequency</a:t>
+            </a:r>
+            <a:r>
+              <a:rPr lang="en-US" sz="1100" dirty="0">
+                <a:solidFill>
+                  <a:schemeClr val="accent4"/>
+                </a:solidFill>
+              </a:rPr>
               <a:t>(</a:t>
             </a:r>
             <a:r>
-              <a:rPr lang="en-SG" sz="1100" dirty="0" err="1"/>
-              <a:t>keywordsMap</a:t>
-            </a:r>
-            <a:r>
-              <a:rPr lang="en-SG" sz="1100" dirty="0"/>
+              <a:rPr lang="en-US" sz="1100" dirty="0" err="1">
+                <a:solidFill>
+                  <a:schemeClr val="accent4"/>
+                </a:solidFill>
+              </a:rPr>
+              <a:t>recurrenceFrequency</a:t>
+            </a:r>
+            <a:r>
+              <a:rPr lang="en-US" sz="1100" dirty="0">
+                <a:solidFill>
+                  <a:schemeClr val="accent4"/>
+                </a:solidFill>
+              </a:rPr>
               <a:t>)</a:t>
             </a:r>
-            <a:endParaRPr lang="en-US" sz="1100" dirty="0"/>
-          </a:p>
-        </p:txBody>
-      </p:sp>
-      <p:sp>
-        <p:nvSpPr>
-          <p:cNvPr id="58" name="Rectangle 62">
-            <a:extLst>
-              <a:ext uri="{FF2B5EF4-FFF2-40B4-BE49-F238E27FC236}">
-                <a16:creationId xmlns:a16="http://schemas.microsoft.com/office/drawing/2014/main" id="{1FFC91A7-CD6B-44FA-85F1-F20C7DAA5A4B}"/>
-              </a:ext>
-            </a:extLst>
-          </p:cNvPr>
-          <p:cNvSpPr/>
+          </a:p>
+        </p:txBody>
+      </p:sp>
+      <p:cxnSp>
+        <p:nvCxnSpPr>
+          <p:cNvPr id="65" name="Curved Connector 12">
+            <a:extLst>
+              <a:ext uri="{FF2B5EF4-FFF2-40B4-BE49-F238E27FC236}">
+                <a16:creationId xmlns:a16="http://schemas.microsoft.com/office/drawing/2014/main" id="{037FD7DF-4FA3-493B-A57D-AC483B7F258A}"/>
+              </a:ext>
+            </a:extLst>
+          </p:cNvPr>
+          <p:cNvCxnSpPr/>
           <p:nvPr/>
-        </p:nvSpPr>
-        <p:spPr>
-          <a:xfrm>
-            <a:off x="7107991" y="7303812"/>
-            <a:ext cx="1120080" cy="461538"/>
-          </a:xfrm>
-          <a:prstGeom prst="rect">
-            <a:avLst/>
-          </a:prstGeom>
-          <a:solidFill>
-            <a:srgbClr val="0070C0"/>
-          </a:solidFill>
-          <a:ln w="19050">
+        </p:nvCxnSpPr>
+        <p:spPr>
+          <a:xfrm rot="16200000" flipH="1">
+            <a:off x="4829022" y="3059675"/>
+            <a:ext cx="156923" cy="76200"/>
+          </a:xfrm>
+          <a:prstGeom prst="curvedConnector4">
+            <a:avLst>
+              <a:gd name="adj1" fmla="val -145677"/>
+              <a:gd name="adj2" fmla="val 400000"/>
+            </a:avLst>
+          </a:prstGeom>
+          <a:ln>
             <a:solidFill>
-              <a:srgbClr val="0070C0"/>
+              <a:schemeClr val="accent1"/>
             </a:solidFill>
+            <a:tailEnd type="triangle"/>
           </a:ln>
-          <a:effectLst/>
         </p:spPr>
         <p:style>
           <a:lnRef idx="1">
-            <a:schemeClr val="accent2"/>
+            <a:schemeClr val="accent1"/>
           </a:lnRef>
-          <a:fillRef idx="2">
-            <a:schemeClr val="accent2"/>
+          <a:fillRef idx="0">
+            <a:schemeClr val="accent1"/>
           </a:fillRef>
-          <a:effectRef idx="1">
-            <a:schemeClr val="accent2"/>
+          <a:effectRef idx="0">
+            <a:schemeClr val="accent1"/>
           </a:effectRef>
           <a:fontRef idx="minor">
-            <a:schemeClr val="dk1"/>
-          </a:fontRef>
-        </p:style>
-        <p:txBody>
-          <a:bodyPr rtlCol="0" anchor="ctr"/>
-          <a:lstStyle/>
-          <a:p>
-            <a:pPr algn="ctr"/>
-            <a:r>
-              <a:rPr lang="en-US" sz="1600" dirty="0">
-                <a:solidFill>
-                  <a:schemeClr val="bg1"/>
-                </a:solidFill>
-              </a:rPr>
-              <a:t>:Command Result</a:t>
-            </a:r>
-            <a:endParaRPr lang="en-SG" sz="1600" dirty="0">
-              <a:solidFill>
-                <a:schemeClr val="bg1"/>
-              </a:solidFill>
-            </a:endParaRPr>
-          </a:p>
-        </p:txBody>
-      </p:sp>
-      <p:cxnSp>
-        <p:nvCxnSpPr>
-          <p:cNvPr id="63" name="Straight Connector 45">
-            <a:extLst>
-              <a:ext uri="{FF2B5EF4-FFF2-40B4-BE49-F238E27FC236}">
-                <a16:creationId xmlns:a16="http://schemas.microsoft.com/office/drawing/2014/main" id="{7BF3946E-8DE6-4A9C-8C51-0F255ACAF54E}"/>
-              </a:ext>
-            </a:extLst>
-          </p:cNvPr>
-          <p:cNvCxnSpPr>
-            <a:cxnSpLocks/>
-          </p:cNvCxnSpPr>
-          <p:nvPr/>
-        </p:nvCxnSpPr>
-        <p:spPr>
-          <a:xfrm>
-            <a:off x="6834437" y="4699729"/>
-            <a:ext cx="0" cy="759438"/>
-          </a:xfrm>
-          <a:prstGeom prst="line">
-            <a:avLst/>
-          </a:prstGeom>
-          <a:ln w="19050">
-            <a:solidFill>
-              <a:srgbClr val="0070C0"/>
-            </a:solidFill>
-            <a:prstDash val="sysDash"/>
-          </a:ln>
-          <a:effectLst/>
-        </p:spPr>
-        <p:style>
-          <a:lnRef idx="1">
-            <a:schemeClr val="accent1"/>
-          </a:lnRef>
-          <a:fillRef idx="2">
-            <a:schemeClr val="accent1"/>
-          </a:fillRef>
-          <a:effectRef idx="1">
-            <a:schemeClr val="accent1"/>
-          </a:effectRef>
-          <a:fontRef idx="minor">
-            <a:schemeClr val="dk1"/>
+            <a:schemeClr val="tx1"/>
           </a:fontRef>
         </p:style>
       </p:cxnSp>
       <p:sp>
         <p:nvSpPr>
-          <p:cNvPr id="64" name="TextBox 67">
-            <a:extLst>
-              <a:ext uri="{FF2B5EF4-FFF2-40B4-BE49-F238E27FC236}">
-                <a16:creationId xmlns:a16="http://schemas.microsoft.com/office/drawing/2014/main" id="{10CF3131-C66B-46AF-8182-6FA5669B5C3C}"/>
+          <p:cNvPr id="66" name="TextBox 81">
+            <a:extLst>
+              <a:ext uri="{FF2B5EF4-FFF2-40B4-BE49-F238E27FC236}">
+                <a16:creationId xmlns:a16="http://schemas.microsoft.com/office/drawing/2014/main" id="{2BAB5F6B-F1AB-481C-9B02-E40B6632D92C}"/>
               </a:ext>
             </a:extLst>
           </p:cNvPr>
@@ -6300,8 +6310,8 @@
         </p:nvSpPr>
         <p:spPr>
           <a:xfrm>
-            <a:off x="7010814" y="5984814"/>
-            <a:ext cx="2917968" cy="169277"/>
+            <a:off x="5175823" y="2766147"/>
+            <a:ext cx="1883351" cy="338554"/>
           </a:xfrm>
           <a:prstGeom prst="rect">
             <a:avLst/>
@@ -6327,68 +6337,227 @@
           <a:p>
             <a:pPr algn="l"/>
             <a:r>
-              <a:rPr lang="en-US" sz="1100" dirty="0" err="1">
+              <a:rPr lang="en-SG" sz="1100" dirty="0" err="1"/>
+              <a:t>areAnyPrefixesPresent</a:t>
+            </a:r>
+            <a:endParaRPr lang="en-SG" sz="1100" dirty="0"/>
+          </a:p>
+          <a:p>
+            <a:pPr algn="l"/>
+            <a:r>
+              <a:rPr lang="en-SG" sz="1100" dirty="0"/>
+              <a:t>(</a:t>
+            </a:r>
+            <a:r>
+              <a:rPr lang="en-SG" sz="1100" dirty="0" err="1"/>
+              <a:t>keywordsMap</a:t>
+            </a:r>
+            <a:r>
+              <a:rPr lang="en-SG" sz="1100" dirty="0"/>
+              <a:t>)</a:t>
+            </a:r>
+            <a:endParaRPr lang="en-US" sz="1100" dirty="0"/>
+          </a:p>
+        </p:txBody>
+      </p:sp>
+      <p:sp>
+        <p:nvSpPr>
+          <p:cNvPr id="69" name="Rectangle 62">
+            <a:extLst>
+              <a:ext uri="{FF2B5EF4-FFF2-40B4-BE49-F238E27FC236}">
+                <a16:creationId xmlns:a16="http://schemas.microsoft.com/office/drawing/2014/main" id="{CCBD1080-6AF5-4913-8571-778EB331D303}"/>
+              </a:ext>
+            </a:extLst>
+          </p:cNvPr>
+          <p:cNvSpPr/>
+          <p:nvPr/>
+        </p:nvSpPr>
+        <p:spPr>
+          <a:xfrm>
+            <a:off x="8455260" y="1026538"/>
+            <a:ext cx="1093635" cy="461538"/>
+          </a:xfrm>
+          <a:prstGeom prst="rect">
+            <a:avLst/>
+          </a:prstGeom>
+          <a:solidFill>
+            <a:srgbClr val="0070C0"/>
+          </a:solidFill>
+          <a:ln w="19050">
+            <a:solidFill>
+              <a:srgbClr val="0070C0"/>
+            </a:solidFill>
+          </a:ln>
+          <a:effectLst/>
+        </p:spPr>
+        <p:style>
+          <a:lnRef idx="1">
+            <a:schemeClr val="accent2"/>
+          </a:lnRef>
+          <a:fillRef idx="2">
+            <a:schemeClr val="accent2"/>
+          </a:fillRef>
+          <a:effectRef idx="1">
+            <a:schemeClr val="accent2"/>
+          </a:effectRef>
+          <a:fontRef idx="minor">
+            <a:schemeClr val="dk1"/>
+          </a:fontRef>
+        </p:style>
+        <p:txBody>
+          <a:bodyPr rtlCol="0" anchor="ctr"/>
+          <a:lstStyle/>
+          <a:p>
+            <a:pPr algn="ctr"/>
+            <a:r>
+              <a:rPr lang="en-US" sz="1600" dirty="0">
                 <a:solidFill>
-                  <a:schemeClr val="accent4"/>
+                  <a:schemeClr val="bg1"/>
                 </a:solidFill>
               </a:rPr>
-              <a:t>setRecurrenceFrequency</a:t>
-            </a:r>
-            <a:r>
-              <a:rPr lang="en-US" sz="1100" dirty="0">
+              <a:t>:</a:t>
+            </a:r>
+            <a:r>
+              <a:rPr lang="en-US" sz="1600" dirty="0" err="1">
                 <a:solidFill>
-                  <a:schemeClr val="accent4"/>
+                  <a:schemeClr val="bg1"/>
                 </a:solidFill>
               </a:rPr>
-              <a:t>(</a:t>
-            </a:r>
-            <a:r>
-              <a:rPr lang="en-US" sz="1100" dirty="0" err="1">
-                <a:solidFill>
-                  <a:schemeClr val="accent4"/>
-                </a:solidFill>
-              </a:rPr>
-              <a:t>recurrenceFrequency</a:t>
-            </a:r>
-            <a:r>
-              <a:rPr lang="en-US" sz="1100" dirty="0">
-                <a:solidFill>
-                  <a:schemeClr val="accent4"/>
-                </a:solidFill>
-              </a:rPr>
-              <a:t>)</a:t>
-            </a:r>
+              <a:t>ParserUtil</a:t>
+            </a:r>
+            <a:endParaRPr lang="en-SG" sz="1600" dirty="0">
+              <a:solidFill>
+                <a:schemeClr val="bg1"/>
+              </a:solidFill>
+            </a:endParaRPr>
           </a:p>
         </p:txBody>
       </p:sp>
       <p:cxnSp>
         <p:nvCxnSpPr>
-          <p:cNvPr id="65" name="Curved Connector 12">
-            <a:extLst>
-              <a:ext uri="{FF2B5EF4-FFF2-40B4-BE49-F238E27FC236}">
-                <a16:creationId xmlns:a16="http://schemas.microsoft.com/office/drawing/2014/main" id="{037FD7DF-4FA3-493B-A57D-AC483B7F258A}"/>
-              </a:ext>
-            </a:extLst>
-          </p:cNvPr>
-          <p:cNvCxnSpPr/>
+          <p:cNvPr id="70" name="Straight Connector 45">
+            <a:extLst>
+              <a:ext uri="{FF2B5EF4-FFF2-40B4-BE49-F238E27FC236}">
+                <a16:creationId xmlns:a16="http://schemas.microsoft.com/office/drawing/2014/main" id="{A38C4CF2-4690-4348-BB2F-8076F9CDE6D1}"/>
+              </a:ext>
+            </a:extLst>
+          </p:cNvPr>
+          <p:cNvCxnSpPr>
+            <a:cxnSpLocks/>
+          </p:cNvCxnSpPr>
           <p:nvPr/>
         </p:nvCxnSpPr>
         <p:spPr>
-          <a:xfrm rot="16200000" flipH="1">
-            <a:off x="4830476" y="3214574"/>
-            <a:ext cx="156923" cy="76200"/>
-          </a:xfrm>
-          <a:prstGeom prst="curvedConnector4">
-            <a:avLst>
-              <a:gd name="adj1" fmla="val -145677"/>
-              <a:gd name="adj2" fmla="val 400000"/>
-            </a:avLst>
-          </a:prstGeom>
+          <a:xfrm>
+            <a:off x="9002077" y="1523321"/>
+            <a:ext cx="0" cy="759438"/>
+          </a:xfrm>
+          <a:prstGeom prst="line">
+            <a:avLst/>
+          </a:prstGeom>
+          <a:ln w="19050">
+            <a:solidFill>
+              <a:srgbClr val="0070C0"/>
+            </a:solidFill>
+            <a:prstDash val="sysDash"/>
+          </a:ln>
+          <a:effectLst/>
+        </p:spPr>
+        <p:style>
+          <a:lnRef idx="1">
+            <a:schemeClr val="accent1"/>
+          </a:lnRef>
+          <a:fillRef idx="2">
+            <a:schemeClr val="accent1"/>
+          </a:fillRef>
+          <a:effectRef idx="1">
+            <a:schemeClr val="accent1"/>
+          </a:effectRef>
+          <a:fontRef idx="minor">
+            <a:schemeClr val="dk1"/>
+          </a:fontRef>
+        </p:style>
+      </p:cxnSp>
+      <p:sp>
+        <p:nvSpPr>
+          <p:cNvPr id="71" name="Rectangle 48">
+            <a:extLst>
+              <a:ext uri="{FF2B5EF4-FFF2-40B4-BE49-F238E27FC236}">
+                <a16:creationId xmlns:a16="http://schemas.microsoft.com/office/drawing/2014/main" id="{846399F9-56AC-4BE2-B49B-0EA8DA618FA5}"/>
+              </a:ext>
+            </a:extLst>
+          </p:cNvPr>
+          <p:cNvSpPr/>
+          <p:nvPr/>
+        </p:nvSpPr>
+        <p:spPr>
+          <a:xfrm>
+            <a:off x="8899636" y="2282758"/>
+            <a:ext cx="195013" cy="2034023"/>
+          </a:xfrm>
+          <a:prstGeom prst="rect">
+            <a:avLst/>
+          </a:prstGeom>
+          <a:solidFill>
+            <a:srgbClr val="0070C0"/>
+          </a:solidFill>
           <a:ln>
             <a:solidFill>
-              <a:schemeClr val="accent1"/>
+              <a:srgbClr val="0070C0"/>
             </a:solidFill>
-            <a:tailEnd type="triangle"/>
+          </a:ln>
+          <a:effectLst/>
+        </p:spPr>
+        <p:style>
+          <a:lnRef idx="1">
+            <a:schemeClr val="accent3"/>
+          </a:lnRef>
+          <a:fillRef idx="2">
+            <a:schemeClr val="accent3"/>
+          </a:fillRef>
+          <a:effectRef idx="1">
+            <a:schemeClr val="accent3"/>
+          </a:effectRef>
+          <a:fontRef idx="minor">
+            <a:schemeClr val="dk1"/>
+          </a:fontRef>
+        </p:style>
+        <p:txBody>
+          <a:bodyPr rtlCol="0" anchor="ctr"/>
+          <a:lstStyle/>
+          <a:p>
+            <a:pPr algn="ctr"/>
+            <a:endParaRPr lang="en-SG" sz="1400" dirty="0"/>
+          </a:p>
+        </p:txBody>
+      </p:sp>
+      <p:cxnSp>
+        <p:nvCxnSpPr>
+          <p:cNvPr id="72" name="Straight Arrow Connector 27">
+            <a:extLst>
+              <a:ext uri="{FF2B5EF4-FFF2-40B4-BE49-F238E27FC236}">
+                <a16:creationId xmlns:a16="http://schemas.microsoft.com/office/drawing/2014/main" id="{A292D6AD-773D-4CFF-9582-C0404E48097D}"/>
+              </a:ext>
+            </a:extLst>
+          </p:cNvPr>
+          <p:cNvCxnSpPr>
+            <a:cxnSpLocks/>
+          </p:cNvCxnSpPr>
+          <p:nvPr/>
+        </p:nvCxnSpPr>
+        <p:spPr>
+          <a:xfrm>
+            <a:off x="4876732" y="3285839"/>
+            <a:ext cx="4022904" cy="0"/>
+          </a:xfrm>
+          <a:prstGeom prst="straightConnector1">
+            <a:avLst/>
+          </a:prstGeom>
+          <a:ln w="19050">
+            <a:solidFill>
+              <a:srgbClr val="0070C0"/>
+            </a:solidFill>
+            <a:tailEnd type="arrow"/>
           </a:ln>
         </p:spPr>
         <p:style>
@@ -6406,98 +6575,33 @@
           </a:fontRef>
         </p:style>
       </p:cxnSp>
-      <p:sp>
-        <p:nvSpPr>
-          <p:cNvPr id="66" name="TextBox 81">
-            <a:extLst>
-              <a:ext uri="{FF2B5EF4-FFF2-40B4-BE49-F238E27FC236}">
-                <a16:creationId xmlns:a16="http://schemas.microsoft.com/office/drawing/2014/main" id="{2BAB5F6B-F1AB-481C-9B02-E40B6632D92C}"/>
-              </a:ext>
-            </a:extLst>
-          </p:cNvPr>
-          <p:cNvSpPr txBox="1"/>
-          <p:nvPr/>
-        </p:nvSpPr>
-        <p:spPr>
-          <a:xfrm>
-            <a:off x="5177277" y="2921046"/>
-            <a:ext cx="1883351" cy="338554"/>
-          </a:xfrm>
-          <a:prstGeom prst="rect">
-            <a:avLst/>
-          </a:prstGeom>
-          <a:noFill/>
-        </p:spPr>
-        <p:txBody>
-          <a:bodyPr wrap="square" lIns="0" tIns="0" rIns="0" bIns="0" rtlCol="0">
-            <a:spAutoFit/>
-          </a:bodyPr>
-          <a:lstStyle>
-            <a:defPPr>
-              <a:defRPr lang="en-US"/>
-            </a:defPPr>
-            <a:lvl1pPr algn="r">
-              <a:defRPr sz="1400">
-                <a:solidFill>
-                  <a:srgbClr val="0070C0"/>
-                </a:solidFill>
-              </a:defRPr>
-            </a:lvl1pPr>
-          </a:lstStyle>
-          <a:p>
-            <a:pPr algn="l"/>
-            <a:r>
-              <a:rPr lang="en-SG" sz="1100" dirty="0" err="1"/>
-              <a:t>areAnyPrefixesPresent</a:t>
-            </a:r>
-            <a:endParaRPr lang="en-SG" sz="1100" dirty="0"/>
-          </a:p>
-          <a:p>
-            <a:pPr algn="l"/>
-            <a:r>
-              <a:rPr lang="en-SG" sz="1100" dirty="0"/>
-              <a:t>(</a:t>
-            </a:r>
-            <a:r>
-              <a:rPr lang="en-SG" sz="1100" dirty="0" err="1"/>
-              <a:t>keywordsMap</a:t>
-            </a:r>
-            <a:r>
-              <a:rPr lang="en-SG" sz="1100" dirty="0"/>
-              <a:t>)</a:t>
-            </a:r>
-            <a:endParaRPr lang="en-US" sz="1100" dirty="0"/>
-          </a:p>
-        </p:txBody>
-      </p:sp>
       <p:cxnSp>
         <p:nvCxnSpPr>
-          <p:cNvPr id="67" name="Curved Connector 12">
-            <a:extLst>
-              <a:ext uri="{FF2B5EF4-FFF2-40B4-BE49-F238E27FC236}">
-                <a16:creationId xmlns:a16="http://schemas.microsoft.com/office/drawing/2014/main" id="{A436BF56-79AC-496A-93A0-93D7CD4CCDF4}"/>
-              </a:ext>
-            </a:extLst>
-          </p:cNvPr>
-          <p:cNvCxnSpPr/>
+          <p:cNvPr id="73" name="Straight Arrow Connector 27">
+            <a:extLst>
+              <a:ext uri="{FF2B5EF4-FFF2-40B4-BE49-F238E27FC236}">
+                <a16:creationId xmlns:a16="http://schemas.microsoft.com/office/drawing/2014/main" id="{FB009A08-60C7-4736-ACAB-31EB88CF9C4A}"/>
+              </a:ext>
+            </a:extLst>
+          </p:cNvPr>
+          <p:cNvCxnSpPr>
+            <a:cxnSpLocks/>
+          </p:cNvCxnSpPr>
           <p:nvPr/>
         </p:nvCxnSpPr>
         <p:spPr>
-          <a:xfrm rot="16200000" flipH="1">
-            <a:off x="4824539" y="3692185"/>
-            <a:ext cx="156923" cy="76200"/>
-          </a:xfrm>
-          <a:prstGeom prst="curvedConnector4">
-            <a:avLst>
-              <a:gd name="adj1" fmla="val -145677"/>
-              <a:gd name="adj2" fmla="val 400000"/>
-            </a:avLst>
-          </a:prstGeom>
-          <a:ln>
+          <a:xfrm>
+            <a:off x="4864477" y="3602038"/>
+            <a:ext cx="4055994" cy="0"/>
+          </a:xfrm>
+          <a:prstGeom prst="straightConnector1">
+            <a:avLst/>
+          </a:prstGeom>
+          <a:ln w="19050">
             <a:solidFill>
-              <a:schemeClr val="accent1"/>
+              <a:srgbClr val="0070C0"/>
             </a:solidFill>
-            <a:tailEnd type="triangle"/>
+            <a:tailEnd type="arrow"/>
           </a:ln>
         </p:spPr>
         <p:style>
@@ -6515,12 +6619,56 @@
           </a:fontRef>
         </p:style>
       </p:cxnSp>
-      <p:sp>
-        <p:nvSpPr>
-          <p:cNvPr id="68" name="TextBox 81">
-            <a:extLst>
-              <a:ext uri="{FF2B5EF4-FFF2-40B4-BE49-F238E27FC236}">
-                <a16:creationId xmlns:a16="http://schemas.microsoft.com/office/drawing/2014/main" id="{C06EBEBA-31F4-4631-8F8F-EBADDA294167}"/>
+      <p:cxnSp>
+        <p:nvCxnSpPr>
+          <p:cNvPr id="74" name="Straight Arrow Connector 27">
+            <a:extLst>
+              <a:ext uri="{FF2B5EF4-FFF2-40B4-BE49-F238E27FC236}">
+                <a16:creationId xmlns:a16="http://schemas.microsoft.com/office/drawing/2014/main" id="{F2531771-5FD8-4B3E-B76D-4A4CB8396AF7}"/>
+              </a:ext>
+            </a:extLst>
+          </p:cNvPr>
+          <p:cNvCxnSpPr>
+            <a:cxnSpLocks/>
+          </p:cNvCxnSpPr>
+          <p:nvPr/>
+        </p:nvCxnSpPr>
+        <p:spPr>
+          <a:xfrm>
+            <a:off x="4825039" y="3999388"/>
+            <a:ext cx="4074597" cy="0"/>
+          </a:xfrm>
+          <a:prstGeom prst="straightConnector1">
+            <a:avLst/>
+          </a:prstGeom>
+          <a:ln w="19050">
+            <a:solidFill>
+              <a:srgbClr val="0070C0"/>
+            </a:solidFill>
+            <a:tailEnd type="arrow"/>
+          </a:ln>
+        </p:spPr>
+        <p:style>
+          <a:lnRef idx="1">
+            <a:schemeClr val="accent1"/>
+          </a:lnRef>
+          <a:fillRef idx="0">
+            <a:schemeClr val="accent1"/>
+          </a:fillRef>
+          <a:effectRef idx="0">
+            <a:schemeClr val="accent1"/>
+          </a:effectRef>
+          <a:fontRef idx="minor">
+            <a:schemeClr val="tx1"/>
+          </a:fontRef>
+        </p:style>
+      </p:cxnSp>
+      <p:sp>
+        <p:nvSpPr>
+          <p:cNvPr id="76" name="TextBox 3">
+            <a:extLst>
+              <a:ext uri="{FF2B5EF4-FFF2-40B4-BE49-F238E27FC236}">
+                <a16:creationId xmlns:a16="http://schemas.microsoft.com/office/drawing/2014/main" id="{1C27025E-4ABD-437D-BA57-0E3175AC181B}"/>
               </a:ext>
             </a:extLst>
           </p:cNvPr>
@@ -6529,8 +6677,8 @@
         </p:nvSpPr>
         <p:spPr>
           <a:xfrm>
-            <a:off x="5171340" y="3398657"/>
-            <a:ext cx="2079561" cy="338554"/>
+            <a:off x="4791633" y="5386171"/>
+            <a:ext cx="258404" cy="261610"/>
           </a:xfrm>
           <a:prstGeom prst="rect">
             <a:avLst/>
@@ -6538,44 +6686,445 @@
           <a:noFill/>
         </p:spPr>
         <p:txBody>
-          <a:bodyPr wrap="square" lIns="0" tIns="0" rIns="0" bIns="0" rtlCol="0">
+          <a:bodyPr wrap="none" rtlCol="0">
             <a:spAutoFit/>
           </a:bodyPr>
-          <a:lstStyle>
-            <a:defPPr>
-              <a:defRPr lang="en-US"/>
-            </a:defPPr>
-            <a:lvl1pPr algn="r">
-              <a:defRPr sz="1400">
+          <a:lstStyle/>
+          <a:p>
+            <a:r>
+              <a:rPr lang="en-SG" sz="1100" dirty="0">
                 <a:solidFill>
-                  <a:srgbClr val="0070C0"/>
+                  <a:srgbClr val="002060"/>
                 </a:solidFill>
-              </a:defRPr>
-            </a:lvl1pPr>
-          </a:lstStyle>
-          <a:p>
-            <a:pPr algn="l"/>
-            <a:r>
-              <a:rPr lang="en-SG" sz="1100" dirty="0" err="1"/>
-              <a:t>getTotalSecondsToNextRecurrence</a:t>
-            </a:r>
-            <a:endParaRPr lang="en-SG" sz="1100" dirty="0"/>
-          </a:p>
-          <a:p>
-            <a:pPr algn="l"/>
-            <a:r>
-              <a:rPr lang="en-SG" sz="1100" dirty="0"/>
-              <a:t>(</a:t>
-            </a:r>
-            <a:r>
-              <a:rPr lang="en-SG" sz="1100" dirty="0" err="1"/>
-              <a:t>keywordsMap</a:t>
-            </a:r>
-            <a:r>
-              <a:rPr lang="en-SG" sz="1100" dirty="0"/>
-              <a:t>)</a:t>
-            </a:r>
-            <a:endParaRPr lang="en-US" sz="1100" dirty="0"/>
+              </a:rPr>
+              <a:t>X</a:t>
+            </a:r>
+          </a:p>
+        </p:txBody>
+      </p:sp>
+      <p:cxnSp>
+        <p:nvCxnSpPr>
+          <p:cNvPr id="83" name="Straight Arrow Connector 33">
+            <a:extLst>
+              <a:ext uri="{FF2B5EF4-FFF2-40B4-BE49-F238E27FC236}">
+                <a16:creationId xmlns:a16="http://schemas.microsoft.com/office/drawing/2014/main" id="{4FE6727A-94F5-4EFF-89B6-9FEBBE2B7162}"/>
+              </a:ext>
+            </a:extLst>
+          </p:cNvPr>
+          <p:cNvCxnSpPr>
+            <a:cxnSpLocks/>
+          </p:cNvCxnSpPr>
+          <p:nvPr/>
+        </p:nvCxnSpPr>
+        <p:spPr>
+          <a:xfrm>
+            <a:off x="4849216" y="3424884"/>
+            <a:ext cx="4050420" cy="4116"/>
+          </a:xfrm>
+          <a:prstGeom prst="straightConnector1">
+            <a:avLst/>
+          </a:prstGeom>
+          <a:ln w="19050">
+            <a:solidFill>
+              <a:srgbClr val="0070C0"/>
+            </a:solidFill>
+            <a:prstDash val="sysDash"/>
+            <a:headEnd type="arrow" w="med" len="med"/>
+            <a:tailEnd type="none" w="med" len="med"/>
+          </a:ln>
+        </p:spPr>
+        <p:style>
+          <a:lnRef idx="1">
+            <a:schemeClr val="accent1"/>
+          </a:lnRef>
+          <a:fillRef idx="0">
+            <a:schemeClr val="accent1"/>
+          </a:fillRef>
+          <a:effectRef idx="0">
+            <a:schemeClr val="accent1"/>
+          </a:effectRef>
+          <a:fontRef idx="minor">
+            <a:schemeClr val="tx1"/>
+          </a:fontRef>
+        </p:style>
+      </p:cxnSp>
+      <p:cxnSp>
+        <p:nvCxnSpPr>
+          <p:cNvPr id="85" name="Straight Arrow Connector 33">
+            <a:extLst>
+              <a:ext uri="{FF2B5EF4-FFF2-40B4-BE49-F238E27FC236}">
+                <a16:creationId xmlns:a16="http://schemas.microsoft.com/office/drawing/2014/main" id="{B6D52275-793E-4D98-BA8D-4A0B232AD82C}"/>
+              </a:ext>
+            </a:extLst>
+          </p:cNvPr>
+          <p:cNvCxnSpPr>
+            <a:cxnSpLocks/>
+          </p:cNvCxnSpPr>
+          <p:nvPr/>
+        </p:nvCxnSpPr>
+        <p:spPr>
+          <a:xfrm>
+            <a:off x="4828381" y="3790646"/>
+            <a:ext cx="4071255" cy="0"/>
+          </a:xfrm>
+          <a:prstGeom prst="straightConnector1">
+            <a:avLst/>
+          </a:prstGeom>
+          <a:ln w="19050">
+            <a:solidFill>
+              <a:srgbClr val="0070C0"/>
+            </a:solidFill>
+            <a:prstDash val="sysDash"/>
+            <a:headEnd type="arrow" w="med" len="med"/>
+            <a:tailEnd type="none" w="med" len="med"/>
+          </a:ln>
+        </p:spPr>
+        <p:style>
+          <a:lnRef idx="1">
+            <a:schemeClr val="accent1"/>
+          </a:lnRef>
+          <a:fillRef idx="0">
+            <a:schemeClr val="accent1"/>
+          </a:fillRef>
+          <a:effectRef idx="0">
+            <a:schemeClr val="accent1"/>
+          </a:effectRef>
+          <a:fontRef idx="minor">
+            <a:schemeClr val="tx1"/>
+          </a:fontRef>
+        </p:style>
+      </p:cxnSp>
+      <p:cxnSp>
+        <p:nvCxnSpPr>
+          <p:cNvPr id="87" name="Straight Arrow Connector 33">
+            <a:extLst>
+              <a:ext uri="{FF2B5EF4-FFF2-40B4-BE49-F238E27FC236}">
+                <a16:creationId xmlns:a16="http://schemas.microsoft.com/office/drawing/2014/main" id="{3E8A1B18-4780-468C-B57B-96FA67448EB8}"/>
+              </a:ext>
+            </a:extLst>
+          </p:cNvPr>
+          <p:cNvCxnSpPr>
+            <a:cxnSpLocks/>
+          </p:cNvCxnSpPr>
+          <p:nvPr/>
+        </p:nvCxnSpPr>
+        <p:spPr>
+          <a:xfrm>
+            <a:off x="4849216" y="4179266"/>
+            <a:ext cx="4071255" cy="0"/>
+          </a:xfrm>
+          <a:prstGeom prst="straightConnector1">
+            <a:avLst/>
+          </a:prstGeom>
+          <a:ln w="19050">
+            <a:solidFill>
+              <a:srgbClr val="0070C0"/>
+            </a:solidFill>
+            <a:prstDash val="sysDash"/>
+            <a:headEnd type="arrow" w="med" len="med"/>
+            <a:tailEnd type="none" w="med" len="med"/>
+          </a:ln>
+        </p:spPr>
+        <p:style>
+          <a:lnRef idx="1">
+            <a:schemeClr val="accent1"/>
+          </a:lnRef>
+          <a:fillRef idx="0">
+            <a:schemeClr val="accent1"/>
+          </a:fillRef>
+          <a:effectRef idx="0">
+            <a:schemeClr val="accent1"/>
+          </a:effectRef>
+          <a:fontRef idx="minor">
+            <a:schemeClr val="tx1"/>
+          </a:fontRef>
+        </p:style>
+      </p:cxnSp>
+      <p:sp>
+        <p:nvSpPr>
+          <p:cNvPr id="90" name="TextBox 89">
+            <a:extLst>
+              <a:ext uri="{FF2B5EF4-FFF2-40B4-BE49-F238E27FC236}">
+                <a16:creationId xmlns:a16="http://schemas.microsoft.com/office/drawing/2014/main" id="{FAEE6F86-3485-44D0-AE81-E3166BAAEADC}"/>
+              </a:ext>
+            </a:extLst>
+          </p:cNvPr>
+          <p:cNvSpPr txBox="1"/>
+          <p:nvPr/>
+        </p:nvSpPr>
+        <p:spPr>
+          <a:xfrm>
+            <a:off x="6103744" y="3058891"/>
+            <a:ext cx="1501592" cy="261610"/>
+          </a:xfrm>
+          <a:prstGeom prst="rect">
+            <a:avLst/>
+          </a:prstGeom>
+          <a:noFill/>
+        </p:spPr>
+        <p:txBody>
+          <a:bodyPr wrap="square" rtlCol="0">
+            <a:spAutoFit/>
+          </a:bodyPr>
+          <a:lstStyle/>
+          <a:p>
+            <a:r>
+              <a:rPr lang="en-SG" sz="1100" dirty="0" err="1">
+                <a:solidFill>
+                  <a:schemeClr val="accent1"/>
+                </a:solidFill>
+              </a:rPr>
+              <a:t>parseHours</a:t>
+            </a:r>
+            <a:r>
+              <a:rPr lang="en-SG" sz="1100" dirty="0">
+                <a:solidFill>
+                  <a:schemeClr val="accent1"/>
+                </a:solidFill>
+              </a:rPr>
+              <a:t>(hours)</a:t>
+            </a:r>
+            <a:endParaRPr lang="en-US" sz="1100" dirty="0">
+              <a:solidFill>
+                <a:schemeClr val="accent1"/>
+              </a:solidFill>
+            </a:endParaRPr>
+          </a:p>
+        </p:txBody>
+      </p:sp>
+      <p:sp>
+        <p:nvSpPr>
+          <p:cNvPr id="91" name="TextBox 90">
+            <a:extLst>
+              <a:ext uri="{FF2B5EF4-FFF2-40B4-BE49-F238E27FC236}">
+                <a16:creationId xmlns:a16="http://schemas.microsoft.com/office/drawing/2014/main" id="{CD873877-A23D-44A2-A2D9-8701EA10BDA6}"/>
+              </a:ext>
+            </a:extLst>
+          </p:cNvPr>
+          <p:cNvSpPr txBox="1"/>
+          <p:nvPr/>
+        </p:nvSpPr>
+        <p:spPr>
+          <a:xfrm>
+            <a:off x="6234776" y="3387508"/>
+            <a:ext cx="1501592" cy="253916"/>
+          </a:xfrm>
+          <a:prstGeom prst="rect">
+            <a:avLst/>
+          </a:prstGeom>
+          <a:noFill/>
+        </p:spPr>
+        <p:txBody>
+          <a:bodyPr wrap="square" rtlCol="0">
+            <a:spAutoFit/>
+          </a:bodyPr>
+          <a:lstStyle/>
+          <a:p>
+            <a:r>
+              <a:rPr lang="en-SG" sz="1050" dirty="0" err="1">
+                <a:solidFill>
+                  <a:schemeClr val="accent1"/>
+                </a:solidFill>
+              </a:rPr>
+              <a:t>parseMinutes</a:t>
+            </a:r>
+            <a:r>
+              <a:rPr lang="en-SG" sz="1050" dirty="0">
+                <a:solidFill>
+                  <a:schemeClr val="accent1"/>
+                </a:solidFill>
+              </a:rPr>
+              <a:t>(minutes)</a:t>
+            </a:r>
+            <a:endParaRPr lang="en-US" sz="1050" dirty="0">
+              <a:solidFill>
+                <a:schemeClr val="accent1"/>
+              </a:solidFill>
+            </a:endParaRPr>
+          </a:p>
+        </p:txBody>
+      </p:sp>
+      <p:sp>
+        <p:nvSpPr>
+          <p:cNvPr id="92" name="TextBox 91">
+            <a:extLst>
+              <a:ext uri="{FF2B5EF4-FFF2-40B4-BE49-F238E27FC236}">
+                <a16:creationId xmlns:a16="http://schemas.microsoft.com/office/drawing/2014/main" id="{67254CAC-4D52-4326-B832-A52C3120DA1F}"/>
+              </a:ext>
+            </a:extLst>
+          </p:cNvPr>
+          <p:cNvSpPr txBox="1"/>
+          <p:nvPr/>
+        </p:nvSpPr>
+        <p:spPr>
+          <a:xfrm>
+            <a:off x="6209514" y="3784572"/>
+            <a:ext cx="1501592" cy="253916"/>
+          </a:xfrm>
+          <a:prstGeom prst="rect">
+            <a:avLst/>
+          </a:prstGeom>
+          <a:noFill/>
+        </p:spPr>
+        <p:txBody>
+          <a:bodyPr wrap="square" rtlCol="0">
+            <a:spAutoFit/>
+          </a:bodyPr>
+          <a:lstStyle/>
+          <a:p>
+            <a:r>
+              <a:rPr lang="en-SG" sz="1050" dirty="0" err="1">
+                <a:solidFill>
+                  <a:schemeClr val="accent1"/>
+                </a:solidFill>
+              </a:rPr>
+              <a:t>parseSeconds</a:t>
+            </a:r>
+            <a:r>
+              <a:rPr lang="en-SG" sz="1050" dirty="0">
+                <a:solidFill>
+                  <a:schemeClr val="accent1"/>
+                </a:solidFill>
+              </a:rPr>
+              <a:t>(seconds)</a:t>
+            </a:r>
+            <a:endParaRPr lang="en-US" sz="1050" dirty="0">
+              <a:solidFill>
+                <a:schemeClr val="accent1"/>
+              </a:solidFill>
+            </a:endParaRPr>
+          </a:p>
+        </p:txBody>
+      </p:sp>
+      <p:sp>
+        <p:nvSpPr>
+          <p:cNvPr id="93" name="TextBox 92">
+            <a:extLst>
+              <a:ext uri="{FF2B5EF4-FFF2-40B4-BE49-F238E27FC236}">
+                <a16:creationId xmlns:a16="http://schemas.microsoft.com/office/drawing/2014/main" id="{D7917EFD-30D8-4637-9F8A-F2F560EFC55A}"/>
+              </a:ext>
+            </a:extLst>
+          </p:cNvPr>
+          <p:cNvSpPr txBox="1"/>
+          <p:nvPr/>
+        </p:nvSpPr>
+        <p:spPr>
+          <a:xfrm>
+            <a:off x="6488612" y="3235798"/>
+            <a:ext cx="1486725" cy="253916"/>
+          </a:xfrm>
+          <a:prstGeom prst="rect">
+            <a:avLst/>
+          </a:prstGeom>
+          <a:noFill/>
+        </p:spPr>
+        <p:txBody>
+          <a:bodyPr wrap="square" rtlCol="0">
+            <a:spAutoFit/>
+          </a:bodyPr>
+          <a:lstStyle/>
+          <a:p>
+            <a:r>
+              <a:rPr lang="en-SG" sz="1050" dirty="0">
+                <a:solidFill>
+                  <a:schemeClr val="accent1"/>
+                </a:solidFill>
+              </a:rPr>
+              <a:t>hours</a:t>
+            </a:r>
+            <a:endParaRPr lang="en-US" sz="1050" dirty="0">
+              <a:solidFill>
+                <a:schemeClr val="accent1"/>
+              </a:solidFill>
+            </a:endParaRPr>
+          </a:p>
+        </p:txBody>
+      </p:sp>
+      <p:sp>
+        <p:nvSpPr>
+          <p:cNvPr id="94" name="TextBox 93">
+            <a:extLst>
+              <a:ext uri="{FF2B5EF4-FFF2-40B4-BE49-F238E27FC236}">
+                <a16:creationId xmlns:a16="http://schemas.microsoft.com/office/drawing/2014/main" id="{DBA78295-2351-4D9F-9BDF-A32372C5798F}"/>
+              </a:ext>
+            </a:extLst>
+          </p:cNvPr>
+          <p:cNvSpPr txBox="1"/>
+          <p:nvPr/>
+        </p:nvSpPr>
+        <p:spPr>
+          <a:xfrm>
+            <a:off x="6413494" y="3571833"/>
+            <a:ext cx="1501592" cy="253916"/>
+          </a:xfrm>
+          <a:prstGeom prst="rect">
+            <a:avLst/>
+          </a:prstGeom>
+          <a:noFill/>
+        </p:spPr>
+        <p:txBody>
+          <a:bodyPr wrap="square" rtlCol="0">
+            <a:spAutoFit/>
+          </a:bodyPr>
+          <a:lstStyle/>
+          <a:p>
+            <a:r>
+              <a:rPr lang="en-SG" sz="1050" dirty="0">
+                <a:solidFill>
+                  <a:schemeClr val="accent1"/>
+                </a:solidFill>
+              </a:rPr>
+              <a:t>minutes</a:t>
+            </a:r>
+            <a:endParaRPr lang="en-US" sz="1050" dirty="0">
+              <a:solidFill>
+                <a:schemeClr val="accent1"/>
+              </a:solidFill>
+            </a:endParaRPr>
+          </a:p>
+        </p:txBody>
+      </p:sp>
+      <p:sp>
+        <p:nvSpPr>
+          <p:cNvPr id="95" name="TextBox 94">
+            <a:extLst>
+              <a:ext uri="{FF2B5EF4-FFF2-40B4-BE49-F238E27FC236}">
+                <a16:creationId xmlns:a16="http://schemas.microsoft.com/office/drawing/2014/main" id="{B1EE3494-1C58-482E-9BEB-A8D2CE50B110}"/>
+              </a:ext>
+            </a:extLst>
+          </p:cNvPr>
+          <p:cNvSpPr txBox="1"/>
+          <p:nvPr/>
+        </p:nvSpPr>
+        <p:spPr>
+          <a:xfrm>
+            <a:off x="6418479" y="3975148"/>
+            <a:ext cx="1501592" cy="253916"/>
+          </a:xfrm>
+          <a:prstGeom prst="rect">
+            <a:avLst/>
+          </a:prstGeom>
+          <a:noFill/>
+        </p:spPr>
+        <p:txBody>
+          <a:bodyPr wrap="square" rtlCol="0">
+            <a:spAutoFit/>
+          </a:bodyPr>
+          <a:lstStyle/>
+          <a:p>
+            <a:r>
+              <a:rPr lang="en-SG" sz="1050" dirty="0">
+                <a:solidFill>
+                  <a:schemeClr val="accent1"/>
+                </a:solidFill>
+              </a:rPr>
+              <a:t>seconds</a:t>
+            </a:r>
+            <a:endParaRPr lang="en-US" sz="1050" dirty="0">
+              <a:solidFill>
+                <a:schemeClr val="accent1"/>
+              </a:solidFill>
+            </a:endParaRPr>
           </a:p>
         </p:txBody>
       </p:sp>
@@ -6583,6 +7132,86 @@
     <p:extLst>
       <p:ext uri="{BB962C8B-B14F-4D97-AF65-F5344CB8AC3E}">
         <p14:creationId xmlns:p14="http://schemas.microsoft.com/office/powerpoint/2010/main" val="1858967122"/>
+      </p:ext>
+    </p:extLst>
+  </p:cSld>
+  <p:clrMapOvr>
+    <a:masterClrMapping/>
+  </p:clrMapOvr>
+</p:sld>
+</file>
+
+<file path=ppt/slides/slide2.xml><?xml version="1.0" encoding="utf-8"?>
+<p:sld xmlns:a="http://schemas.openxmlformats.org/drawingml/2006/main" xmlns:r="http://schemas.openxmlformats.org/officeDocument/2006/relationships" xmlns:p="http://schemas.openxmlformats.org/presentationml/2006/main">
+  <p:cSld>
+    <p:spTree>
+      <p:nvGrpSpPr>
+        <p:cNvPr id="1" name=""/>
+        <p:cNvGrpSpPr/>
+        <p:nvPr/>
+      </p:nvGrpSpPr>
+      <p:grpSpPr>
+        <a:xfrm>
+          <a:off x="0" y="0"/>
+          <a:ext cx="0" cy="0"/>
+          <a:chOff x="0" y="0"/>
+          <a:chExt cx="0" cy="0"/>
+        </a:xfrm>
+      </p:grpSpPr>
+      <p:sp>
+        <p:nvSpPr>
+          <p:cNvPr id="2" name="Title 1">
+            <a:extLst>
+              <a:ext uri="{FF2B5EF4-FFF2-40B4-BE49-F238E27FC236}">
+                <a16:creationId xmlns:a16="http://schemas.microsoft.com/office/drawing/2014/main" id="{81245D70-3EE6-4756-8DEF-34AE0764FA5D}"/>
+              </a:ext>
+            </a:extLst>
+          </p:cNvPr>
+          <p:cNvSpPr>
+            <a:spLocks noGrp="1"/>
+          </p:cNvSpPr>
+          <p:nvPr>
+            <p:ph type="title"/>
+          </p:nvPr>
+        </p:nvSpPr>
+        <p:spPr/>
+        <p:txBody>
+          <a:bodyPr/>
+          <a:lstStyle/>
+          <a:p>
+            <a:endParaRPr lang="en-US"/>
+          </a:p>
+        </p:txBody>
+      </p:sp>
+      <p:sp>
+        <p:nvSpPr>
+          <p:cNvPr id="3" name="Content Placeholder 2">
+            <a:extLst>
+              <a:ext uri="{FF2B5EF4-FFF2-40B4-BE49-F238E27FC236}">
+                <a16:creationId xmlns:a16="http://schemas.microsoft.com/office/drawing/2014/main" id="{E4C40E52-CD30-4895-AB7B-4D9C997CAE15}"/>
+              </a:ext>
+            </a:extLst>
+          </p:cNvPr>
+          <p:cNvSpPr>
+            <a:spLocks noGrp="1"/>
+          </p:cNvSpPr>
+          <p:nvPr>
+            <p:ph idx="1"/>
+          </p:nvPr>
+        </p:nvSpPr>
+        <p:spPr/>
+        <p:txBody>
+          <a:bodyPr/>
+          <a:lstStyle/>
+          <a:p>
+            <a:endParaRPr lang="en-US"/>
+          </a:p>
+        </p:txBody>
+      </p:sp>
+    </p:spTree>
+    <p:extLst>
+      <p:ext uri="{BB962C8B-B14F-4D97-AF65-F5344CB8AC3E}">
+        <p14:creationId xmlns:p14="http://schemas.microsoft.com/office/powerpoint/2010/main" val="2200731437"/>
       </p:ext>
     </p:extLst>
   </p:cSld>

--- a/docs/diagrams/SetRecurringBudgetCommandSequenceDiagram.pptx
+++ b/docs/diagrams/SetRecurringBudgetCommandSequenceDiagram.pptx
@@ -262,7 +262,7 @@
           <a:p>
             <a:fld id="{25951DBF-4689-4318-9FB8-FAD0A99561E4}" type="datetimeFigureOut">
               <a:rPr lang="en-SG" smtClean="0"/>
-              <a:t>26/10/2018</a:t>
+              <a:t>11/11/2018</a:t>
             </a:fld>
             <a:endParaRPr lang="en-SG"/>
           </a:p>
@@ -462,7 +462,7 @@
           <a:p>
             <a:fld id="{25951DBF-4689-4318-9FB8-FAD0A99561E4}" type="datetimeFigureOut">
               <a:rPr lang="en-SG" smtClean="0"/>
-              <a:t>26/10/2018</a:t>
+              <a:t>11/11/2018</a:t>
             </a:fld>
             <a:endParaRPr lang="en-SG"/>
           </a:p>
@@ -672,7 +672,7 @@
           <a:p>
             <a:fld id="{25951DBF-4689-4318-9FB8-FAD0A99561E4}" type="datetimeFigureOut">
               <a:rPr lang="en-SG" smtClean="0"/>
-              <a:t>26/10/2018</a:t>
+              <a:t>11/11/2018</a:t>
             </a:fld>
             <a:endParaRPr lang="en-SG"/>
           </a:p>
@@ -872,7 +872,7 @@
           <a:p>
             <a:fld id="{25951DBF-4689-4318-9FB8-FAD0A99561E4}" type="datetimeFigureOut">
               <a:rPr lang="en-SG" smtClean="0"/>
-              <a:t>26/10/2018</a:t>
+              <a:t>11/11/2018</a:t>
             </a:fld>
             <a:endParaRPr lang="en-SG"/>
           </a:p>
@@ -1148,7 +1148,7 @@
           <a:p>
             <a:fld id="{25951DBF-4689-4318-9FB8-FAD0A99561E4}" type="datetimeFigureOut">
               <a:rPr lang="en-SG" smtClean="0"/>
-              <a:t>26/10/2018</a:t>
+              <a:t>11/11/2018</a:t>
             </a:fld>
             <a:endParaRPr lang="en-SG"/>
           </a:p>
@@ -1416,7 +1416,7 @@
           <a:p>
             <a:fld id="{25951DBF-4689-4318-9FB8-FAD0A99561E4}" type="datetimeFigureOut">
               <a:rPr lang="en-SG" smtClean="0"/>
-              <a:t>26/10/2018</a:t>
+              <a:t>11/11/2018</a:t>
             </a:fld>
             <a:endParaRPr lang="en-SG"/>
           </a:p>
@@ -1831,7 +1831,7 @@
           <a:p>
             <a:fld id="{25951DBF-4689-4318-9FB8-FAD0A99561E4}" type="datetimeFigureOut">
               <a:rPr lang="en-SG" smtClean="0"/>
-              <a:t>26/10/2018</a:t>
+              <a:t>11/11/2018</a:t>
             </a:fld>
             <a:endParaRPr lang="en-SG"/>
           </a:p>
@@ -1973,7 +1973,7 @@
           <a:p>
             <a:fld id="{25951DBF-4689-4318-9FB8-FAD0A99561E4}" type="datetimeFigureOut">
               <a:rPr lang="en-SG" smtClean="0"/>
-              <a:t>26/10/2018</a:t>
+              <a:t>11/11/2018</a:t>
             </a:fld>
             <a:endParaRPr lang="en-SG"/>
           </a:p>
@@ -2086,7 +2086,7 @@
           <a:p>
             <a:fld id="{25951DBF-4689-4318-9FB8-FAD0A99561E4}" type="datetimeFigureOut">
               <a:rPr lang="en-SG" smtClean="0"/>
-              <a:t>26/10/2018</a:t>
+              <a:t>11/11/2018</a:t>
             </a:fld>
             <a:endParaRPr lang="en-SG"/>
           </a:p>
@@ -2399,7 +2399,7 @@
           <a:p>
             <a:fld id="{25951DBF-4689-4318-9FB8-FAD0A99561E4}" type="datetimeFigureOut">
               <a:rPr lang="en-SG" smtClean="0"/>
-              <a:t>26/10/2018</a:t>
+              <a:t>11/11/2018</a:t>
             </a:fld>
             <a:endParaRPr lang="en-SG"/>
           </a:p>
@@ -2688,7 +2688,7 @@
           <a:p>
             <a:fld id="{25951DBF-4689-4318-9FB8-FAD0A99561E4}" type="datetimeFigureOut">
               <a:rPr lang="en-SG" smtClean="0"/>
-              <a:t>26/10/2018</a:t>
+              <a:t>11/11/2018</a:t>
             </a:fld>
             <a:endParaRPr lang="en-SG"/>
           </a:p>
@@ -2931,7 +2931,7 @@
           <a:p>
             <a:fld id="{25951DBF-4689-4318-9FB8-FAD0A99561E4}" type="datetimeFigureOut">
               <a:rPr lang="en-SG" smtClean="0"/>
-              <a:t>26/10/2018</a:t>
+              <a:t>11/11/2018</a:t>
             </a:fld>
             <a:endParaRPr lang="en-SG"/>
           </a:p>
@@ -3759,82 +3759,6 @@
           </a:p>
         </p:txBody>
       </p:sp>
-      <p:sp>
-        <p:nvSpPr>
-          <p:cNvPr id="10" name="Rectangle 62">
-            <a:extLst>
-              <a:ext uri="{FF2B5EF4-FFF2-40B4-BE49-F238E27FC236}">
-                <a16:creationId xmlns:a16="http://schemas.microsoft.com/office/drawing/2014/main" id="{93FE7F79-FACB-4C8D-8265-16A7F5AF03EA}"/>
-              </a:ext>
-            </a:extLst>
-          </p:cNvPr>
-          <p:cNvSpPr/>
-          <p:nvPr/>
-        </p:nvSpPr>
-        <p:spPr>
-          <a:xfrm>
-            <a:off x="2362200" y="655309"/>
-            <a:ext cx="1219200" cy="467684"/>
-          </a:xfrm>
-          <a:prstGeom prst="rect">
-            <a:avLst/>
-          </a:prstGeom>
-          <a:solidFill>
-            <a:srgbClr val="0070C0"/>
-          </a:solidFill>
-          <a:ln w="19050">
-            <a:solidFill>
-              <a:srgbClr val="0070C0"/>
-            </a:solidFill>
-          </a:ln>
-          <a:effectLst/>
-        </p:spPr>
-        <p:style>
-          <a:lnRef idx="1">
-            <a:schemeClr val="accent2"/>
-          </a:lnRef>
-          <a:fillRef idx="2">
-            <a:schemeClr val="accent2"/>
-          </a:fillRef>
-          <a:effectRef idx="1">
-            <a:schemeClr val="accent2"/>
-          </a:effectRef>
-          <a:fontRef idx="minor">
-            <a:schemeClr val="dk1"/>
-          </a:fontRef>
-        </p:style>
-        <p:txBody>
-          <a:bodyPr rtlCol="0" anchor="ctr"/>
-          <a:lstStyle/>
-          <a:p>
-            <a:pPr algn="ctr"/>
-            <a:r>
-              <a:rPr lang="en-US" sz="1600" dirty="0">
-                <a:solidFill>
-                  <a:schemeClr val="bg1"/>
-                </a:solidFill>
-              </a:rPr>
-              <a:t>:Address</a:t>
-            </a:r>
-          </a:p>
-          <a:p>
-            <a:pPr algn="ctr"/>
-            <a:r>
-              <a:rPr lang="en-US" sz="1600" dirty="0" err="1">
-                <a:solidFill>
-                  <a:schemeClr val="bg1"/>
-                </a:solidFill>
-              </a:rPr>
-              <a:t>BookParser</a:t>
-            </a:r>
-            <a:endParaRPr lang="en-SG" sz="1600" dirty="0">
-              <a:solidFill>
-                <a:schemeClr val="bg1"/>
-              </a:solidFill>
-            </a:endParaRPr>
-          </a:p>
-        </p:txBody>
-      </p:sp>
       <p:cxnSp>
         <p:nvCxnSpPr>
           <p:cNvPr id="11" name="Straight Connector 16">
@@ -7123,6 +7047,82 @@
             <a:endParaRPr lang="en-US" sz="1050" dirty="0">
               <a:solidFill>
                 <a:schemeClr val="accent1"/>
+              </a:solidFill>
+            </a:endParaRPr>
+          </a:p>
+        </p:txBody>
+      </p:sp>
+      <p:sp>
+        <p:nvSpPr>
+          <p:cNvPr id="77" name="Rectangle 62">
+            <a:extLst>
+              <a:ext uri="{FF2B5EF4-FFF2-40B4-BE49-F238E27FC236}">
+                <a16:creationId xmlns:a16="http://schemas.microsoft.com/office/drawing/2014/main" id="{E0F96529-AD6F-4430-BC0D-D5C204ED09AE}"/>
+              </a:ext>
+            </a:extLst>
+          </p:cNvPr>
+          <p:cNvSpPr/>
+          <p:nvPr/>
+        </p:nvSpPr>
+        <p:spPr>
+          <a:xfrm>
+            <a:off x="2286000" y="655308"/>
+            <a:ext cx="1391711" cy="487691"/>
+          </a:xfrm>
+          <a:prstGeom prst="rect">
+            <a:avLst/>
+          </a:prstGeom>
+          <a:solidFill>
+            <a:srgbClr val="0070C0"/>
+          </a:solidFill>
+          <a:ln w="19050">
+            <a:solidFill>
+              <a:srgbClr val="0070C0"/>
+            </a:solidFill>
+          </a:ln>
+          <a:effectLst/>
+        </p:spPr>
+        <p:style>
+          <a:lnRef idx="1">
+            <a:schemeClr val="accent2"/>
+          </a:lnRef>
+          <a:fillRef idx="2">
+            <a:schemeClr val="accent2"/>
+          </a:fillRef>
+          <a:effectRef idx="1">
+            <a:schemeClr val="accent2"/>
+          </a:effectRef>
+          <a:fontRef idx="minor">
+            <a:schemeClr val="dk1"/>
+          </a:fontRef>
+        </p:style>
+        <p:txBody>
+          <a:bodyPr rtlCol="0" anchor="ctr"/>
+          <a:lstStyle/>
+          <a:p>
+            <a:pPr algn="ctr"/>
+            <a:r>
+              <a:rPr lang="en-US" sz="1600" dirty="0">
+                <a:solidFill>
+                  <a:schemeClr val="bg1"/>
+                </a:solidFill>
+              </a:rPr>
+              <a:t>:Expense</a:t>
+            </a:r>
+          </a:p>
+          <a:p>
+            <a:pPr algn="ctr"/>
+            <a:r>
+              <a:rPr lang="en-US" sz="1600" dirty="0" err="1">
+                <a:solidFill>
+                  <a:schemeClr val="bg1"/>
+                </a:solidFill>
+              </a:rPr>
+              <a:t>TrackerParser</a:t>
+            </a:r>
+            <a:endParaRPr lang="en-SG" sz="1600" dirty="0">
+              <a:solidFill>
+                <a:schemeClr val="bg1"/>
               </a:solidFill>
             </a:endParaRPr>
           </a:p>
